--- a/programming-4/lectures/01-c++-cli.pptx
+++ b/programming-4/lectures/01-c++-cli.pptx
@@ -7706,7 +7706,7 @@
         <p:spPr>
           <a:xfrm>
             <a:off x="0" y="1600200"/>
-            <a:ext cx="9144000" cy="4224233"/>
+            <a:ext cx="9144000" cy="3608680"/>
           </a:xfrm>
           <a:prstGeom prst="rect">
             <a:avLst/>
@@ -7734,11 +7734,19 @@
             <a:pPr algn="ctr"/>
             <a:r>
               <a:rPr lang="en-US" sz="3000" b="1" dirty="0" smtClean="0"/>
-              <a:t>Lecture 01: Intro to C++ </a:t>
+              <a:t>Lecture 01</a:t>
+            </a:r>
+            <a:r>
+              <a:rPr lang="en-US" sz="3000" b="1" smtClean="0"/>
+              <a:t>: </a:t>
+            </a:r>
+            <a:r>
+              <a:rPr lang="en-US" sz="3000" b="1" smtClean="0"/>
+              <a:t>C</a:t>
             </a:r>
             <a:r>
               <a:rPr lang="en-US" sz="3000" b="1" dirty="0" smtClean="0"/>
-              <a:t>CLI</a:t>
+              <a:t>++ CLI</a:t>
             </a:r>
             <a:endParaRPr lang="en-US" sz="3000" b="1" dirty="0"/>
           </a:p>
@@ -7750,11 +7758,7 @@
             </a:r>
             <a:r>
               <a:rPr lang="en-US" sz="3000" b="1" dirty="0" smtClean="0"/>
-              <a:t>1, </a:t>
-            </a:r>
-            <a:r>
-              <a:rPr lang="en-US" sz="3000" b="1" dirty="0" smtClean="0"/>
-              <a:t>2020</a:t>
+              <a:t>1, 2020</a:t>
             </a:r>
           </a:p>
           <a:p>
@@ -7811,17 +7815,13 @@
           <a:p>
             <a:pPr algn="ctr"/>
             <a:r>
-              <a:rPr lang="en-US" sz="3000" b="1" smtClean="0"/>
+              <a:rPr lang="en-US" sz="3000" b="1" dirty="0" smtClean="0"/>
               <a:t>Wednesday, 19 </a:t>
             </a:r>
             <a:r>
               <a:rPr lang="en-US" sz="3000" b="1" dirty="0"/>
               <a:t>February </a:t>
             </a:r>
-          </a:p>
-          <a:p>
-            <a:pPr algn="ctr"/>
-            <a:endParaRPr lang="en-US" sz="4000" b="1" dirty="0"/>
           </a:p>
         </p:txBody>
       </p:sp>

--- a/programming-4/lectures/01-c++-cli.pptx
+++ b/programming-4/lectures/01-c++-cli.pptx
@@ -7738,11 +7738,7 @@
             </a:r>
             <a:r>
               <a:rPr lang="en-US" sz="3000" b="1" smtClean="0"/>
-              <a:t>: </a:t>
-            </a:r>
-            <a:r>
-              <a:rPr lang="en-US" sz="3000" b="1" smtClean="0"/>
-              <a:t>C</a:t>
+              <a:t>: C</a:t>
             </a:r>
             <a:r>
               <a:rPr lang="en-US" sz="3000" b="1" dirty="0" smtClean="0"/>
@@ -7961,14 +7957,14 @@
                 <a:gridCol w="4268047">
                   <a:extLst>
                     <a:ext uri="{9D8B030D-6E8A-4147-A177-3AD203B41FA5}">
-                      <a16:colId xmlns:a16="http://schemas.microsoft.com/office/drawing/2014/main" xmlns="" val="1878650380"/>
+                      <a16:colId xmlns="" xmlns:a16="http://schemas.microsoft.com/office/drawing/2014/main" val="1878650380"/>
                     </a:ext>
                   </a:extLst>
                 </a:gridCol>
                 <a:gridCol w="2952271">
                   <a:extLst>
                     <a:ext uri="{9D8B030D-6E8A-4147-A177-3AD203B41FA5}">
-                      <a16:colId xmlns:a16="http://schemas.microsoft.com/office/drawing/2014/main" xmlns="" val="3514817832"/>
+                      <a16:colId xmlns="" xmlns:a16="http://schemas.microsoft.com/office/drawing/2014/main" val="3514817832"/>
                     </a:ext>
                   </a:extLst>
                 </a:gridCol>
@@ -8034,7 +8030,7 @@
                 </a:tc>
                 <a:extLst>
                   <a:ext uri="{0D108BD9-81ED-4DB2-BD59-A6C34878D82A}">
-                    <a16:rowId xmlns:a16="http://schemas.microsoft.com/office/drawing/2014/main" xmlns="" val="3083959343"/>
+                    <a16:rowId xmlns="" xmlns:a16="http://schemas.microsoft.com/office/drawing/2014/main" val="3083959343"/>
                   </a:ext>
                 </a:extLst>
               </a:tr>
@@ -8099,7 +8095,7 @@
                 </a:tc>
                 <a:extLst>
                   <a:ext uri="{0D108BD9-81ED-4DB2-BD59-A6C34878D82A}">
-                    <a16:rowId xmlns:a16="http://schemas.microsoft.com/office/drawing/2014/main" xmlns="" val="10001"/>
+                    <a16:rowId xmlns="" xmlns:a16="http://schemas.microsoft.com/office/drawing/2014/main" val="10001"/>
                   </a:ext>
                 </a:extLst>
               </a:tr>
@@ -8164,7 +8160,7 @@
                 </a:tc>
                 <a:extLst>
                   <a:ext uri="{0D108BD9-81ED-4DB2-BD59-A6C34878D82A}">
-                    <a16:rowId xmlns:a16="http://schemas.microsoft.com/office/drawing/2014/main" xmlns="" val="10002"/>
+                    <a16:rowId xmlns="" xmlns:a16="http://schemas.microsoft.com/office/drawing/2014/main" val="10002"/>
                   </a:ext>
                 </a:extLst>
               </a:tr>
@@ -8226,7 +8222,7 @@
                 </a:tc>
                 <a:extLst>
                   <a:ext uri="{0D108BD9-81ED-4DB2-BD59-A6C34878D82A}">
-                    <a16:rowId xmlns:a16="http://schemas.microsoft.com/office/drawing/2014/main" xmlns="" val="10003"/>
+                    <a16:rowId xmlns="" xmlns:a16="http://schemas.microsoft.com/office/drawing/2014/main" val="10003"/>
                   </a:ext>
                 </a:extLst>
               </a:tr>
@@ -8291,7 +8287,7 @@
                 </a:tc>
                 <a:extLst>
                   <a:ext uri="{0D108BD9-81ED-4DB2-BD59-A6C34878D82A}">
-                    <a16:rowId xmlns:a16="http://schemas.microsoft.com/office/drawing/2014/main" xmlns="" val="324899849"/>
+                    <a16:rowId xmlns="" xmlns:a16="http://schemas.microsoft.com/office/drawing/2014/main" val="324899849"/>
                   </a:ext>
                 </a:extLst>
               </a:tr>
@@ -8353,7 +8349,7 @@
                 </a:tc>
                 <a:extLst>
                   <a:ext uri="{0D108BD9-81ED-4DB2-BD59-A6C34878D82A}">
-                    <a16:rowId xmlns:a16="http://schemas.microsoft.com/office/drawing/2014/main" xmlns="" val="1715622986"/>
+                    <a16:rowId xmlns="" xmlns:a16="http://schemas.microsoft.com/office/drawing/2014/main" val="1715622986"/>
                   </a:ext>
                 </a:extLst>
               </a:tr>
@@ -8549,14 +8545,14 @@
                 <a:gridCol w="4268047">
                   <a:extLst>
                     <a:ext uri="{9D8B030D-6E8A-4147-A177-3AD203B41FA5}">
-                      <a16:colId xmlns:a16="http://schemas.microsoft.com/office/drawing/2014/main" xmlns="" val="1878650380"/>
+                      <a16:colId xmlns="" xmlns:a16="http://schemas.microsoft.com/office/drawing/2014/main" val="1878650380"/>
                     </a:ext>
                   </a:extLst>
                 </a:gridCol>
                 <a:gridCol w="2952271">
                   <a:extLst>
                     <a:ext uri="{9D8B030D-6E8A-4147-A177-3AD203B41FA5}">
-                      <a16:colId xmlns:a16="http://schemas.microsoft.com/office/drawing/2014/main" xmlns="" val="3514817832"/>
+                      <a16:colId xmlns="" xmlns:a16="http://schemas.microsoft.com/office/drawing/2014/main" val="3514817832"/>
                     </a:ext>
                   </a:extLst>
                 </a:gridCol>
@@ -8622,7 +8618,7 @@
                 </a:tc>
                 <a:extLst>
                   <a:ext uri="{0D108BD9-81ED-4DB2-BD59-A6C34878D82A}">
-                    <a16:rowId xmlns:a16="http://schemas.microsoft.com/office/drawing/2014/main" xmlns="" val="3083959343"/>
+                    <a16:rowId xmlns="" xmlns:a16="http://schemas.microsoft.com/office/drawing/2014/main" val="3083959343"/>
                   </a:ext>
                 </a:extLst>
               </a:tr>
@@ -8681,7 +8677,7 @@
                 </a:tc>
                 <a:extLst>
                   <a:ext uri="{0D108BD9-81ED-4DB2-BD59-A6C34878D82A}">
-                    <a16:rowId xmlns:a16="http://schemas.microsoft.com/office/drawing/2014/main" xmlns="" val="324899849"/>
+                    <a16:rowId xmlns="" xmlns:a16="http://schemas.microsoft.com/office/drawing/2014/main" val="324899849"/>
                   </a:ext>
                 </a:extLst>
               </a:tr>
@@ -8752,7 +8748,7 @@
                 </a:tc>
                 <a:extLst>
                   <a:ext uri="{0D108BD9-81ED-4DB2-BD59-A6C34878D82A}">
-                    <a16:rowId xmlns:a16="http://schemas.microsoft.com/office/drawing/2014/main" xmlns="" val="1715622986"/>
+                    <a16:rowId xmlns="" xmlns:a16="http://schemas.microsoft.com/office/drawing/2014/main" val="1715622986"/>
                   </a:ext>
                 </a:extLst>
               </a:tr>
@@ -8870,14 +8866,14 @@
                 <a:gridCol w="4268047">
                   <a:extLst>
                     <a:ext uri="{9D8B030D-6E8A-4147-A177-3AD203B41FA5}">
-                      <a16:colId xmlns:a16="http://schemas.microsoft.com/office/drawing/2014/main" xmlns="" val="20000"/>
+                      <a16:colId xmlns="" xmlns:a16="http://schemas.microsoft.com/office/drawing/2014/main" val="20000"/>
                     </a:ext>
                   </a:extLst>
                 </a:gridCol>
                 <a:gridCol w="2952271">
                   <a:extLst>
                     <a:ext uri="{9D8B030D-6E8A-4147-A177-3AD203B41FA5}">
-                      <a16:colId xmlns:a16="http://schemas.microsoft.com/office/drawing/2014/main" xmlns="" val="20001"/>
+                      <a16:colId xmlns="" xmlns:a16="http://schemas.microsoft.com/office/drawing/2014/main" val="20001"/>
                     </a:ext>
                   </a:extLst>
                 </a:gridCol>
@@ -8943,7 +8939,7 @@
                 </a:tc>
                 <a:extLst>
                   <a:ext uri="{0D108BD9-81ED-4DB2-BD59-A6C34878D82A}">
-                    <a16:rowId xmlns:a16="http://schemas.microsoft.com/office/drawing/2014/main" xmlns="" val="10000"/>
+                    <a16:rowId xmlns="" xmlns:a16="http://schemas.microsoft.com/office/drawing/2014/main" val="10000"/>
                   </a:ext>
                 </a:extLst>
               </a:tr>
@@ -9008,7 +9004,7 @@
                 </a:tc>
                 <a:extLst>
                   <a:ext uri="{0D108BD9-81ED-4DB2-BD59-A6C34878D82A}">
-                    <a16:rowId xmlns:a16="http://schemas.microsoft.com/office/drawing/2014/main" xmlns="" val="10001"/>
+                    <a16:rowId xmlns="" xmlns:a16="http://schemas.microsoft.com/office/drawing/2014/main" val="10001"/>
                   </a:ext>
                 </a:extLst>
               </a:tr>
@@ -9073,7 +9069,7 @@
                 </a:tc>
                 <a:extLst>
                   <a:ext uri="{0D108BD9-81ED-4DB2-BD59-A6C34878D82A}">
-                    <a16:rowId xmlns:a16="http://schemas.microsoft.com/office/drawing/2014/main" xmlns="" val="10002"/>
+                    <a16:rowId xmlns="" xmlns:a16="http://schemas.microsoft.com/office/drawing/2014/main" val="10002"/>
                   </a:ext>
                 </a:extLst>
               </a:tr>
@@ -9138,7 +9134,7 @@
                 </a:tc>
                 <a:extLst>
                   <a:ext uri="{0D108BD9-81ED-4DB2-BD59-A6C34878D82A}">
-                    <a16:rowId xmlns:a16="http://schemas.microsoft.com/office/drawing/2014/main" xmlns="" val="10003"/>
+                    <a16:rowId xmlns="" xmlns:a16="http://schemas.microsoft.com/office/drawing/2014/main" val="10003"/>
                   </a:ext>
                 </a:extLst>
               </a:tr>
@@ -9200,7 +9196,7 @@
                 </a:tc>
                 <a:extLst>
                   <a:ext uri="{0D108BD9-81ED-4DB2-BD59-A6C34878D82A}">
-                    <a16:rowId xmlns:a16="http://schemas.microsoft.com/office/drawing/2014/main" xmlns="" val="10004"/>
+                    <a16:rowId xmlns="" xmlns:a16="http://schemas.microsoft.com/office/drawing/2014/main" val="10004"/>
                   </a:ext>
                 </a:extLst>
               </a:tr>
@@ -9265,7 +9261,7 @@
                 </a:tc>
                 <a:extLst>
                   <a:ext uri="{0D108BD9-81ED-4DB2-BD59-A6C34878D82A}">
-                    <a16:rowId xmlns:a16="http://schemas.microsoft.com/office/drawing/2014/main" xmlns="" val="10005"/>
+                    <a16:rowId xmlns="" xmlns:a16="http://schemas.microsoft.com/office/drawing/2014/main" val="10005"/>
                   </a:ext>
                 </a:extLst>
               </a:tr>
@@ -9327,7 +9323,7 @@
                 </a:tc>
                 <a:extLst>
                   <a:ext uri="{0D108BD9-81ED-4DB2-BD59-A6C34878D82A}">
-                    <a16:rowId xmlns:a16="http://schemas.microsoft.com/office/drawing/2014/main" xmlns="" val="10006"/>
+                    <a16:rowId xmlns="" xmlns:a16="http://schemas.microsoft.com/office/drawing/2014/main" val="10006"/>
                   </a:ext>
                 </a:extLst>
               </a:tr>
@@ -11838,13 +11834,14 @@
               <a:t>	</a:t>
             </a:r>
             <a:r>
-              <a:rPr lang="en-US" sz="2500" dirty="0" smtClean="0"/>
+              <a:rPr lang="en-US" sz="2500" smtClean="0"/>
               <a:t>your </a:t>
             </a:r>
             <a:r>
-              <a:rPr lang="en-US" sz="2500" b="1" i="1" dirty="0" smtClean="0"/>
-              <a:t>MyForm.h</a:t>
-            </a:r>
+              <a:rPr lang="en-US" sz="2500" b="1" i="1" smtClean="0"/>
+              <a:t>MyForm.cpp</a:t>
+            </a:r>
+            <a:endParaRPr lang="en-US" sz="2500" b="1" i="1" dirty="0" smtClean="0"/>
           </a:p>
         </p:txBody>
       </p:sp>
@@ -13357,14 +13354,14 @@
                 <a:gridCol w="4268047">
                   <a:extLst>
                     <a:ext uri="{9D8B030D-6E8A-4147-A177-3AD203B41FA5}">
-                      <a16:colId xmlns:a16="http://schemas.microsoft.com/office/drawing/2014/main" xmlns="" val="1878650380"/>
+                      <a16:colId xmlns="" xmlns:a16="http://schemas.microsoft.com/office/drawing/2014/main" val="1878650380"/>
                     </a:ext>
                   </a:extLst>
                 </a:gridCol>
                 <a:gridCol w="2952271">
                   <a:extLst>
                     <a:ext uri="{9D8B030D-6E8A-4147-A177-3AD203B41FA5}">
-                      <a16:colId xmlns:a16="http://schemas.microsoft.com/office/drawing/2014/main" xmlns="" val="3514817832"/>
+                      <a16:colId xmlns="" xmlns:a16="http://schemas.microsoft.com/office/drawing/2014/main" val="3514817832"/>
                     </a:ext>
                   </a:extLst>
                 </a:gridCol>
@@ -13424,7 +13421,7 @@
                 </a:tc>
                 <a:extLst>
                   <a:ext uri="{0D108BD9-81ED-4DB2-BD59-A6C34878D82A}">
-                    <a16:rowId xmlns:a16="http://schemas.microsoft.com/office/drawing/2014/main" xmlns="" val="3083959343"/>
+                    <a16:rowId xmlns="" xmlns:a16="http://schemas.microsoft.com/office/drawing/2014/main" val="3083959343"/>
                   </a:ext>
                 </a:extLst>
               </a:tr>
@@ -13483,7 +13480,7 @@
                 </a:tc>
                 <a:extLst>
                   <a:ext uri="{0D108BD9-81ED-4DB2-BD59-A6C34878D82A}">
-                    <a16:rowId xmlns:a16="http://schemas.microsoft.com/office/drawing/2014/main" xmlns="" val="324899849"/>
+                    <a16:rowId xmlns="" xmlns:a16="http://schemas.microsoft.com/office/drawing/2014/main" val="324899849"/>
                   </a:ext>
                 </a:extLst>
               </a:tr>
@@ -13542,7 +13539,7 @@
                 </a:tc>
                 <a:extLst>
                   <a:ext uri="{0D108BD9-81ED-4DB2-BD59-A6C34878D82A}">
-                    <a16:rowId xmlns:a16="http://schemas.microsoft.com/office/drawing/2014/main" xmlns="" val="1715622986"/>
+                    <a16:rowId xmlns="" xmlns:a16="http://schemas.microsoft.com/office/drawing/2014/main" val="1715622986"/>
                   </a:ext>
                 </a:extLst>
               </a:tr>
@@ -13601,7 +13598,7 @@
                 </a:tc>
                 <a:extLst>
                   <a:ext uri="{0D108BD9-81ED-4DB2-BD59-A6C34878D82A}">
-                    <a16:rowId xmlns:a16="http://schemas.microsoft.com/office/drawing/2014/main" xmlns="" val="2107937398"/>
+                    <a16:rowId xmlns="" xmlns:a16="http://schemas.microsoft.com/office/drawing/2014/main" val="2107937398"/>
                   </a:ext>
                 </a:extLst>
               </a:tr>
@@ -13660,7 +13657,7 @@
                 </a:tc>
                 <a:extLst>
                   <a:ext uri="{0D108BD9-81ED-4DB2-BD59-A6C34878D82A}">
-                    <a16:rowId xmlns:a16="http://schemas.microsoft.com/office/drawing/2014/main" xmlns="" val="77502295"/>
+                    <a16:rowId xmlns="" xmlns:a16="http://schemas.microsoft.com/office/drawing/2014/main" val="77502295"/>
                   </a:ext>
                 </a:extLst>
               </a:tr>
@@ -13737,7 +13734,7 @@
                 </a:tc>
                 <a:extLst>
                   <a:ext uri="{0D108BD9-81ED-4DB2-BD59-A6C34878D82A}">
-                    <a16:rowId xmlns:a16="http://schemas.microsoft.com/office/drawing/2014/main" xmlns="" val="10005"/>
+                    <a16:rowId xmlns="" xmlns:a16="http://schemas.microsoft.com/office/drawing/2014/main" val="10005"/>
                   </a:ext>
                 </a:extLst>
               </a:tr>
@@ -13981,14 +13978,14 @@
                 <a:gridCol w="4268047">
                   <a:extLst>
                     <a:ext uri="{9D8B030D-6E8A-4147-A177-3AD203B41FA5}">
-                      <a16:colId xmlns:a16="http://schemas.microsoft.com/office/drawing/2014/main" xmlns="" val="1878650380"/>
+                      <a16:colId xmlns="" xmlns:a16="http://schemas.microsoft.com/office/drawing/2014/main" val="1878650380"/>
                     </a:ext>
                   </a:extLst>
                 </a:gridCol>
                 <a:gridCol w="2952271">
                   <a:extLst>
                     <a:ext uri="{9D8B030D-6E8A-4147-A177-3AD203B41FA5}">
-                      <a16:colId xmlns:a16="http://schemas.microsoft.com/office/drawing/2014/main" xmlns="" val="3514817832"/>
+                      <a16:colId xmlns="" xmlns:a16="http://schemas.microsoft.com/office/drawing/2014/main" val="3514817832"/>
                     </a:ext>
                   </a:extLst>
                 </a:gridCol>
@@ -14051,7 +14048,7 @@
                 </a:tc>
                 <a:extLst>
                   <a:ext uri="{0D108BD9-81ED-4DB2-BD59-A6C34878D82A}">
-                    <a16:rowId xmlns:a16="http://schemas.microsoft.com/office/drawing/2014/main" xmlns="" val="3083959343"/>
+                    <a16:rowId xmlns="" xmlns:a16="http://schemas.microsoft.com/office/drawing/2014/main" val="3083959343"/>
                   </a:ext>
                 </a:extLst>
               </a:tr>
@@ -14116,7 +14113,7 @@
                 </a:tc>
                 <a:extLst>
                   <a:ext uri="{0D108BD9-81ED-4DB2-BD59-A6C34878D82A}">
-                    <a16:rowId xmlns:a16="http://schemas.microsoft.com/office/drawing/2014/main" xmlns="" val="324899849"/>
+                    <a16:rowId xmlns="" xmlns:a16="http://schemas.microsoft.com/office/drawing/2014/main" val="324899849"/>
                   </a:ext>
                 </a:extLst>
               </a:tr>
@@ -14190,7 +14187,7 @@
                 </a:tc>
                 <a:extLst>
                   <a:ext uri="{0D108BD9-81ED-4DB2-BD59-A6C34878D82A}">
-                    <a16:rowId xmlns:a16="http://schemas.microsoft.com/office/drawing/2014/main" xmlns="" val="1715622986"/>
+                    <a16:rowId xmlns="" xmlns:a16="http://schemas.microsoft.com/office/drawing/2014/main" val="1715622986"/>
                   </a:ext>
                 </a:extLst>
               </a:tr>
@@ -14264,7 +14261,7 @@
                 </a:tc>
                 <a:extLst>
                   <a:ext uri="{0D108BD9-81ED-4DB2-BD59-A6C34878D82A}">
-                    <a16:rowId xmlns:a16="http://schemas.microsoft.com/office/drawing/2014/main" xmlns="" val="77502295"/>
+                    <a16:rowId xmlns="" xmlns:a16="http://schemas.microsoft.com/office/drawing/2014/main" val="77502295"/>
                   </a:ext>
                 </a:extLst>
               </a:tr>
@@ -14350,7 +14347,7 @@
                 </a:tc>
                 <a:extLst>
                   <a:ext uri="{0D108BD9-81ED-4DB2-BD59-A6C34878D82A}">
-                    <a16:rowId xmlns:a16="http://schemas.microsoft.com/office/drawing/2014/main" xmlns="" val="10004"/>
+                    <a16:rowId xmlns="" xmlns:a16="http://schemas.microsoft.com/office/drawing/2014/main" val="10004"/>
                   </a:ext>
                 </a:extLst>
               </a:tr>
@@ -14427,7 +14424,7 @@
                 </a:tc>
                 <a:extLst>
                   <a:ext uri="{0D108BD9-81ED-4DB2-BD59-A6C34878D82A}">
-                    <a16:rowId xmlns:a16="http://schemas.microsoft.com/office/drawing/2014/main" xmlns="" val="10005"/>
+                    <a16:rowId xmlns="" xmlns:a16="http://schemas.microsoft.com/office/drawing/2014/main" val="10005"/>
                   </a:ext>
                 </a:extLst>
               </a:tr>
@@ -14504,7 +14501,7 @@
                 </a:tc>
                 <a:extLst>
                   <a:ext uri="{0D108BD9-81ED-4DB2-BD59-A6C34878D82A}">
-                    <a16:rowId xmlns:a16="http://schemas.microsoft.com/office/drawing/2014/main" xmlns="" val="10006"/>
+                    <a16:rowId xmlns="" xmlns:a16="http://schemas.microsoft.com/office/drawing/2014/main" val="10006"/>
                   </a:ext>
                 </a:extLst>
               </a:tr>
